--- a/Ankit/Screeshots of all topics/servlet angular.pptx
+++ b/Ankit/Screeshots of all topics/servlet angular.pptx
@@ -17,6 +17,11 @@
     <p:sldId id="264" r:id="rId11"/>
     <p:sldId id="265" r:id="rId12"/>
     <p:sldId id="266" r:id="rId13"/>
+    <p:sldId id="268" r:id="rId14"/>
+    <p:sldId id="269" r:id="rId15"/>
+    <p:sldId id="270" r:id="rId16"/>
+    <p:sldId id="271" r:id="rId17"/>
+    <p:sldId id="272" r:id="rId18"/>
   </p:sldIdLst>
   <p:sldSz cx="12192000" cy="6858000"/>
   <p:notesSz cx="6858000" cy="9144000"/>
@@ -115,6 +120,11 @@
       </a:defRPr>
     </a:lvl9pPr>
   </p:defaultTextStyle>
+  <p:extLst>
+    <p:ext uri="{EFAFB233-063F-42B5-8137-9DF3F51BA10A}">
+      <p15:sldGuideLst xmlns:p15="http://schemas.microsoft.com/office/powerpoint/2012/main"/>
+    </p:ext>
+  </p:extLst>
 </p:presentation>
 </file>
 
@@ -249,7 +259,7 @@
           <a:p>
             <a:fld id="{E545CD11-FA71-45E1-A5DD-FE17A5E58D12}" type="datetimeFigureOut">
               <a:rPr lang="en-IN" smtClean="0"/>
-              <a:t>04-10-2021</a:t>
+              <a:t>05-10-2021</a:t>
             </a:fld>
             <a:endParaRPr lang="en-IN"/>
           </a:p>
@@ -419,7 +429,7 @@
           <a:p>
             <a:fld id="{E545CD11-FA71-45E1-A5DD-FE17A5E58D12}" type="datetimeFigureOut">
               <a:rPr lang="en-IN" smtClean="0"/>
-              <a:t>04-10-2021</a:t>
+              <a:t>05-10-2021</a:t>
             </a:fld>
             <a:endParaRPr lang="en-IN"/>
           </a:p>
@@ -599,7 +609,7 @@
           <a:p>
             <a:fld id="{E545CD11-FA71-45E1-A5DD-FE17A5E58D12}" type="datetimeFigureOut">
               <a:rPr lang="en-IN" smtClean="0"/>
-              <a:t>04-10-2021</a:t>
+              <a:t>05-10-2021</a:t>
             </a:fld>
             <a:endParaRPr lang="en-IN"/>
           </a:p>
@@ -769,7 +779,7 @@
           <a:p>
             <a:fld id="{E545CD11-FA71-45E1-A5DD-FE17A5E58D12}" type="datetimeFigureOut">
               <a:rPr lang="en-IN" smtClean="0"/>
-              <a:t>04-10-2021</a:t>
+              <a:t>05-10-2021</a:t>
             </a:fld>
             <a:endParaRPr lang="en-IN"/>
           </a:p>
@@ -1015,7 +1025,7 @@
           <a:p>
             <a:fld id="{E545CD11-FA71-45E1-A5DD-FE17A5E58D12}" type="datetimeFigureOut">
               <a:rPr lang="en-IN" smtClean="0"/>
-              <a:t>04-10-2021</a:t>
+              <a:t>05-10-2021</a:t>
             </a:fld>
             <a:endParaRPr lang="en-IN"/>
           </a:p>
@@ -1247,7 +1257,7 @@
           <a:p>
             <a:fld id="{E545CD11-FA71-45E1-A5DD-FE17A5E58D12}" type="datetimeFigureOut">
               <a:rPr lang="en-IN" smtClean="0"/>
-              <a:t>04-10-2021</a:t>
+              <a:t>05-10-2021</a:t>
             </a:fld>
             <a:endParaRPr lang="en-IN"/>
           </a:p>
@@ -1614,7 +1624,7 @@
           <a:p>
             <a:fld id="{E545CD11-FA71-45E1-A5DD-FE17A5E58D12}" type="datetimeFigureOut">
               <a:rPr lang="en-IN" smtClean="0"/>
-              <a:t>04-10-2021</a:t>
+              <a:t>05-10-2021</a:t>
             </a:fld>
             <a:endParaRPr lang="en-IN"/>
           </a:p>
@@ -1732,7 +1742,7 @@
           <a:p>
             <a:fld id="{E545CD11-FA71-45E1-A5DD-FE17A5E58D12}" type="datetimeFigureOut">
               <a:rPr lang="en-IN" smtClean="0"/>
-              <a:t>04-10-2021</a:t>
+              <a:t>05-10-2021</a:t>
             </a:fld>
             <a:endParaRPr lang="en-IN"/>
           </a:p>
@@ -1827,7 +1837,7 @@
           <a:p>
             <a:fld id="{E545CD11-FA71-45E1-A5DD-FE17A5E58D12}" type="datetimeFigureOut">
               <a:rPr lang="en-IN" smtClean="0"/>
-              <a:t>04-10-2021</a:t>
+              <a:t>05-10-2021</a:t>
             </a:fld>
             <a:endParaRPr lang="en-IN"/>
           </a:p>
@@ -2104,7 +2114,7 @@
           <a:p>
             <a:fld id="{E545CD11-FA71-45E1-A5DD-FE17A5E58D12}" type="datetimeFigureOut">
               <a:rPr lang="en-IN" smtClean="0"/>
-              <a:t>04-10-2021</a:t>
+              <a:t>05-10-2021</a:t>
             </a:fld>
             <a:endParaRPr lang="en-IN"/>
           </a:p>
@@ -2357,7 +2367,7 @@
           <a:p>
             <a:fld id="{E545CD11-FA71-45E1-A5DD-FE17A5E58D12}" type="datetimeFigureOut">
               <a:rPr lang="en-IN" smtClean="0"/>
-              <a:t>04-10-2021</a:t>
+              <a:t>05-10-2021</a:t>
             </a:fld>
             <a:endParaRPr lang="en-IN"/>
           </a:p>
@@ -2570,7 +2580,7 @@
           <a:p>
             <a:fld id="{E545CD11-FA71-45E1-A5DD-FE17A5E58D12}" type="datetimeFigureOut">
               <a:rPr lang="en-IN" smtClean="0"/>
-              <a:t>04-10-2021</a:t>
+              <a:t>05-10-2021</a:t>
             </a:fld>
             <a:endParaRPr lang="en-IN"/>
           </a:p>
@@ -3051,8 +3061,8 @@
         </p:blipFill>
         <p:spPr>
           <a:xfrm>
-            <a:off x="-409575" y="-228600"/>
-            <a:ext cx="13011150" cy="7315200"/>
+            <a:off x="825106" y="545877"/>
+            <a:ext cx="10577877" cy="5947149"/>
           </a:xfrm>
           <a:prstGeom prst="rect">
             <a:avLst/>
@@ -3089,6 +3099,36 @@
           <a:chExt cx="0" cy="0"/>
         </a:xfrm>
       </p:grpSpPr>
+      <p:pic>
+        <p:nvPicPr>
+          <p:cNvPr id="2" name="Picture 1"/>
+          <p:cNvPicPr>
+            <a:picLocks noChangeAspect="1"/>
+          </p:cNvPicPr>
+          <p:nvPr/>
+        </p:nvPicPr>
+        <p:blipFill>
+          <a:blip r:embed="rId2">
+            <a:extLst>
+              <a:ext uri="{28A0092B-C50C-407E-A947-70E740481C1C}">
+                <a14:useLocalDpi xmlns:a14="http://schemas.microsoft.com/office/drawing/2010/main" val="0"/>
+              </a:ext>
+            </a:extLst>
+          </a:blip>
+          <a:stretch>
+            <a:fillRect/>
+          </a:stretch>
+        </p:blipFill>
+        <p:spPr>
+          <a:xfrm>
+            <a:off x="2152650" y="1004887"/>
+            <a:ext cx="7886700" cy="4848225"/>
+          </a:xfrm>
+          <a:prstGeom prst="rect">
+            <a:avLst/>
+          </a:prstGeom>
+        </p:spPr>
+      </p:pic>
     </p:spTree>
     <p:extLst>
       <p:ext uri="{BB962C8B-B14F-4D97-AF65-F5344CB8AC3E}">
@@ -3119,10 +3159,214 @@
           <a:chExt cx="0" cy="0"/>
         </a:xfrm>
       </p:grpSpPr>
+      <p:pic>
+        <p:nvPicPr>
+          <p:cNvPr id="2" name="Picture 1"/>
+          <p:cNvPicPr>
+            <a:picLocks noChangeAspect="1"/>
+          </p:cNvPicPr>
+          <p:nvPr/>
+        </p:nvPicPr>
+        <p:blipFill>
+          <a:blip r:embed="rId2">
+            <a:extLst>
+              <a:ext uri="{28A0092B-C50C-407E-A947-70E740481C1C}">
+                <a14:useLocalDpi xmlns:a14="http://schemas.microsoft.com/office/drawing/2010/main" val="0"/>
+              </a:ext>
+            </a:extLst>
+          </a:blip>
+          <a:stretch>
+            <a:fillRect/>
+          </a:stretch>
+        </p:blipFill>
+        <p:spPr>
+          <a:xfrm>
+            <a:off x="0" y="659958"/>
+            <a:ext cx="12192000" cy="5538084"/>
+          </a:xfrm>
+          <a:prstGeom prst="rect">
+            <a:avLst/>
+          </a:prstGeom>
+        </p:spPr>
+      </p:pic>
     </p:spTree>
     <p:extLst>
       <p:ext uri="{BB962C8B-B14F-4D97-AF65-F5344CB8AC3E}">
         <p14:creationId xmlns:p14="http://schemas.microsoft.com/office/powerpoint/2010/main" val="3520591317"/>
+      </p:ext>
+    </p:extLst>
+  </p:cSld>
+  <p:clrMapOvr>
+    <a:masterClrMapping/>
+  </p:clrMapOvr>
+</p:sld>
+</file>
+
+<file path=ppt/slides/slide13.xml><?xml version="1.0" encoding="utf-8"?>
+<p:sld xmlns:a="http://schemas.openxmlformats.org/drawingml/2006/main" xmlns:r="http://schemas.openxmlformats.org/officeDocument/2006/relationships" xmlns:p="http://schemas.openxmlformats.org/presentationml/2006/main">
+  <p:cSld>
+    <p:spTree>
+      <p:nvGrpSpPr>
+        <p:cNvPr id="1" name=""/>
+        <p:cNvGrpSpPr/>
+        <p:nvPr/>
+      </p:nvGrpSpPr>
+      <p:grpSpPr>
+        <a:xfrm>
+          <a:off x="0" y="0"/>
+          <a:ext cx="0" cy="0"/>
+          <a:chOff x="0" y="0"/>
+          <a:chExt cx="0" cy="0"/>
+        </a:xfrm>
+      </p:grpSpPr>
+    </p:spTree>
+    <p:extLst>
+      <p:ext uri="{BB962C8B-B14F-4D97-AF65-F5344CB8AC3E}">
+        <p14:creationId xmlns:p14="http://schemas.microsoft.com/office/powerpoint/2010/main" val="127435540"/>
+      </p:ext>
+    </p:extLst>
+  </p:cSld>
+  <p:clrMapOvr>
+    <a:masterClrMapping/>
+  </p:clrMapOvr>
+</p:sld>
+</file>
+
+<file path=ppt/slides/slide14.xml><?xml version="1.0" encoding="utf-8"?>
+<p:sld xmlns:a="http://schemas.openxmlformats.org/drawingml/2006/main" xmlns:r="http://schemas.openxmlformats.org/officeDocument/2006/relationships" xmlns:p="http://schemas.openxmlformats.org/presentationml/2006/main">
+  <p:cSld>
+    <p:spTree>
+      <p:nvGrpSpPr>
+        <p:cNvPr id="1" name=""/>
+        <p:cNvGrpSpPr/>
+        <p:nvPr/>
+      </p:nvGrpSpPr>
+      <p:grpSpPr>
+        <a:xfrm>
+          <a:off x="0" y="0"/>
+          <a:ext cx="0" cy="0"/>
+          <a:chOff x="0" y="0"/>
+          <a:chExt cx="0" cy="0"/>
+        </a:xfrm>
+      </p:grpSpPr>
+      <p:pic>
+        <p:nvPicPr>
+          <p:cNvPr id="2" name="Picture 1"/>
+          <p:cNvPicPr>
+            <a:picLocks noChangeAspect="1"/>
+          </p:cNvPicPr>
+          <p:nvPr/>
+        </p:nvPicPr>
+        <p:blipFill>
+          <a:blip r:embed="rId2"/>
+          <a:stretch>
+            <a:fillRect/>
+          </a:stretch>
+        </p:blipFill>
+        <p:spPr>
+          <a:xfrm>
+            <a:off x="1100137" y="1528762"/>
+            <a:ext cx="9991725" cy="3800475"/>
+          </a:xfrm>
+          <a:prstGeom prst="rect">
+            <a:avLst/>
+          </a:prstGeom>
+        </p:spPr>
+      </p:pic>
+    </p:spTree>
+    <p:extLst>
+      <p:ext uri="{BB962C8B-B14F-4D97-AF65-F5344CB8AC3E}">
+        <p14:creationId xmlns:p14="http://schemas.microsoft.com/office/powerpoint/2010/main" val="3784967151"/>
+      </p:ext>
+    </p:extLst>
+  </p:cSld>
+  <p:clrMapOvr>
+    <a:masterClrMapping/>
+  </p:clrMapOvr>
+</p:sld>
+</file>
+
+<file path=ppt/slides/slide15.xml><?xml version="1.0" encoding="utf-8"?>
+<p:sld xmlns:a="http://schemas.openxmlformats.org/drawingml/2006/main" xmlns:r="http://schemas.openxmlformats.org/officeDocument/2006/relationships" xmlns:p="http://schemas.openxmlformats.org/presentationml/2006/main">
+  <p:cSld>
+    <p:spTree>
+      <p:nvGrpSpPr>
+        <p:cNvPr id="1" name=""/>
+        <p:cNvGrpSpPr/>
+        <p:nvPr/>
+      </p:nvGrpSpPr>
+      <p:grpSpPr>
+        <a:xfrm>
+          <a:off x="0" y="0"/>
+          <a:ext cx="0" cy="0"/>
+          <a:chOff x="0" y="0"/>
+          <a:chExt cx="0" cy="0"/>
+        </a:xfrm>
+      </p:grpSpPr>
+    </p:spTree>
+    <p:extLst>
+      <p:ext uri="{BB962C8B-B14F-4D97-AF65-F5344CB8AC3E}">
+        <p14:creationId xmlns:p14="http://schemas.microsoft.com/office/powerpoint/2010/main" val="3307409939"/>
+      </p:ext>
+    </p:extLst>
+  </p:cSld>
+  <p:clrMapOvr>
+    <a:masterClrMapping/>
+  </p:clrMapOvr>
+</p:sld>
+</file>
+
+<file path=ppt/slides/slide16.xml><?xml version="1.0" encoding="utf-8"?>
+<p:sld xmlns:a="http://schemas.openxmlformats.org/drawingml/2006/main" xmlns:r="http://schemas.openxmlformats.org/officeDocument/2006/relationships" xmlns:p="http://schemas.openxmlformats.org/presentationml/2006/main">
+  <p:cSld>
+    <p:spTree>
+      <p:nvGrpSpPr>
+        <p:cNvPr id="1" name=""/>
+        <p:cNvGrpSpPr/>
+        <p:nvPr/>
+      </p:nvGrpSpPr>
+      <p:grpSpPr>
+        <a:xfrm>
+          <a:off x="0" y="0"/>
+          <a:ext cx="0" cy="0"/>
+          <a:chOff x="0" y="0"/>
+          <a:chExt cx="0" cy="0"/>
+        </a:xfrm>
+      </p:grpSpPr>
+    </p:spTree>
+    <p:extLst>
+      <p:ext uri="{BB962C8B-B14F-4D97-AF65-F5344CB8AC3E}">
+        <p14:creationId xmlns:p14="http://schemas.microsoft.com/office/powerpoint/2010/main" val="3953056602"/>
+      </p:ext>
+    </p:extLst>
+  </p:cSld>
+  <p:clrMapOvr>
+    <a:masterClrMapping/>
+  </p:clrMapOvr>
+</p:sld>
+</file>
+
+<file path=ppt/slides/slide17.xml><?xml version="1.0" encoding="utf-8"?>
+<p:sld xmlns:a="http://schemas.openxmlformats.org/drawingml/2006/main" xmlns:r="http://schemas.openxmlformats.org/officeDocument/2006/relationships" xmlns:p="http://schemas.openxmlformats.org/presentationml/2006/main">
+  <p:cSld>
+    <p:spTree>
+      <p:nvGrpSpPr>
+        <p:cNvPr id="1" name=""/>
+        <p:cNvGrpSpPr/>
+        <p:nvPr/>
+      </p:nvGrpSpPr>
+      <p:grpSpPr>
+        <a:xfrm>
+          <a:off x="0" y="0"/>
+          <a:ext cx="0" cy="0"/>
+          <a:chOff x="0" y="0"/>
+          <a:chExt cx="0" cy="0"/>
+        </a:xfrm>
+      </p:grpSpPr>
+    </p:spTree>
+    <p:extLst>
+      <p:ext uri="{BB962C8B-B14F-4D97-AF65-F5344CB8AC3E}">
+        <p14:creationId xmlns:p14="http://schemas.microsoft.com/office/powerpoint/2010/main" val="3470574643"/>
       </p:ext>
     </p:extLst>
   </p:cSld>
@@ -3453,7 +3697,7 @@
         </p:blipFill>
         <p:spPr>
           <a:xfrm>
-            <a:off x="2395537" y="-18581"/>
+            <a:off x="2362200" y="47763"/>
             <a:ext cx="7400925" cy="2619375"/>
           </a:xfrm>
           <a:prstGeom prst="rect">
@@ -3585,7 +3829,7 @@
         </p:blipFill>
         <p:spPr>
           <a:xfrm>
-            <a:off x="3981450" y="1993996"/>
+            <a:off x="3981450" y="3487948"/>
             <a:ext cx="4229100" cy="971550"/>
           </a:xfrm>
           <a:prstGeom prst="rect">
@@ -3609,7 +3853,7 @@
         </p:blipFill>
         <p:spPr>
           <a:xfrm>
-            <a:off x="4086225" y="3404069"/>
+            <a:off x="4086225" y="5219991"/>
             <a:ext cx="4019550" cy="428625"/>
           </a:xfrm>
           <a:prstGeom prst="rect">
@@ -3625,7 +3869,7 @@
         </p:nvSpPr>
         <p:spPr>
           <a:xfrm>
-            <a:off x="5091544" y="2938431"/>
+            <a:off x="5091544" y="4612686"/>
             <a:ext cx="2957752" cy="954107"/>
           </a:xfrm>
           <a:prstGeom prst="rect">
@@ -3657,7 +3901,7 @@
         </p:nvSpPr>
         <p:spPr>
           <a:xfrm>
-            <a:off x="4842164" y="3892538"/>
+            <a:off x="4842164" y="5824371"/>
             <a:ext cx="3844635" cy="523220"/>
           </a:xfrm>
           <a:prstGeom prst="rect">
@@ -3686,8 +3930,8 @@
         </p:nvSpPr>
         <p:spPr>
           <a:xfrm>
-            <a:off x="4842164" y="789710"/>
-            <a:ext cx="4281054" cy="523220"/>
+            <a:off x="4739425" y="2811701"/>
+            <a:ext cx="4383793" cy="523220"/>
           </a:xfrm>
           <a:prstGeom prst="rect">
             <a:avLst/>
@@ -3724,7 +3968,7 @@
         </p:blipFill>
         <p:spPr>
           <a:xfrm>
-            <a:off x="665019" y="0"/>
+            <a:off x="266797" y="1498313"/>
             <a:ext cx="2892137" cy="2314397"/>
           </a:xfrm>
           <a:prstGeom prst="rect">
@@ -3732,6 +3976,90 @@
           </a:prstGeom>
         </p:spPr>
       </p:pic>
+      <p:pic>
+        <p:nvPicPr>
+          <p:cNvPr id="8" name="Picture 7"/>
+          <p:cNvPicPr>
+            <a:picLocks noChangeAspect="1"/>
+          </p:cNvPicPr>
+          <p:nvPr/>
+        </p:nvPicPr>
+        <p:blipFill>
+          <a:blip r:embed="rId5"/>
+          <a:stretch>
+            <a:fillRect/>
+          </a:stretch>
+        </p:blipFill>
+        <p:spPr>
+          <a:xfrm>
+            <a:off x="3962400" y="1748844"/>
+            <a:ext cx="4267200" cy="990600"/>
+          </a:xfrm>
+          <a:prstGeom prst="rect">
+            <a:avLst/>
+          </a:prstGeom>
+        </p:spPr>
+      </p:pic>
+      <p:sp>
+        <p:nvSpPr>
+          <p:cNvPr id="9" name="TextBox 8"/>
+          <p:cNvSpPr txBox="1"/>
+          <p:nvPr/>
+        </p:nvSpPr>
+        <p:spPr>
+          <a:xfrm>
+            <a:off x="4971245" y="1313647"/>
+            <a:ext cx="2279561" cy="369332"/>
+          </a:xfrm>
+          <a:prstGeom prst="rect">
+            <a:avLst/>
+          </a:prstGeom>
+          <a:noFill/>
+        </p:spPr>
+        <p:txBody>
+          <a:bodyPr wrap="square" rtlCol="0">
+            <a:spAutoFit/>
+          </a:bodyPr>
+          <a:lstStyle/>
+          <a:p>
+            <a:r>
+              <a:rPr lang="en-US" dirty="0" smtClean="0"/>
+              <a:t>Step1</a:t>
+            </a:r>
+            <a:endParaRPr lang="en-IN" dirty="0"/>
+          </a:p>
+        </p:txBody>
+      </p:sp>
+      <p:sp>
+        <p:nvSpPr>
+          <p:cNvPr id="10" name="TextBox 9"/>
+          <p:cNvSpPr txBox="1"/>
+          <p:nvPr/>
+        </p:nvSpPr>
+        <p:spPr>
+          <a:xfrm>
+            <a:off x="2562896" y="231820"/>
+            <a:ext cx="7650050" cy="369332"/>
+          </a:xfrm>
+          <a:prstGeom prst="rect">
+            <a:avLst/>
+          </a:prstGeom>
+          <a:noFill/>
+        </p:spPr>
+        <p:txBody>
+          <a:bodyPr wrap="square" rtlCol="0">
+            <a:spAutoFit/>
+          </a:bodyPr>
+          <a:lstStyle/>
+          <a:p>
+            <a:r>
+              <a:rPr lang="en-US" dirty="0" smtClean="0"/>
+              <a:t>Steps for crating project in angular</a:t>
+            </a:r>
+            <a:endParaRPr lang="en-IN" dirty="0"/>
+          </a:p>
+        </p:txBody>
+      </p:sp>
     </p:spTree>
     <p:extLst>
       <p:ext uri="{BB962C8B-B14F-4D97-AF65-F5344CB8AC3E}">
